--- a/slides/Docker-and-dot-net.pptx
+++ b/slides/Docker-and-dot-net.pptx
@@ -145,6 +145,10 @@
     </p:ext>
   </p:extLst>
 </p:presentation>
+</file>
+
+<file path=ppt/revisionInfo.xml><?xml version="1.0" encoding="utf-8"?>
+<p1510:revInfo xmlns:a="http://schemas.openxmlformats.org/drawingml/2006/main" xmlns:r="http://schemas.openxmlformats.org/officeDocument/2006/relationships" xmlns:p1510="http://schemas.microsoft.com/office/powerpoint/2015/10/main"/>
 </file>
 
 <file path=ppt/handoutMasters/handoutMaster1.xml><?xml version="1.0" encoding="utf-8"?>
@@ -12493,15 +12497,44 @@
           <a:p>
             <a:r>
               <a:rPr lang="de-AT" dirty="0"/>
-              <a:t>ASP.NET and Docker</a:t>
-            </a:r>
+              <a:t>Samples from </a:t>
+            </a:r>
+            <a:r>
+              <a:rPr lang="de-AT" dirty="0" err="1"/>
+              <a:t>this</a:t>
+            </a:r>
+            <a:r>
+              <a:rPr lang="de-AT" dirty="0"/>
+              <a:t> </a:t>
+            </a:r>
+            <a:r>
+              <a:rPr lang="de-AT" dirty="0" err="1"/>
+              <a:t>talk</a:t>
+            </a:r>
+            <a:endParaRPr lang="de-AT" dirty="0"/>
           </a:p>
           <a:p>
             <a:pPr lvl="1"/>
             <a:r>
-              <a:rPr lang="de-AT" dirty="0">
+              <a:rPr lang="de-AT" sz="1400" dirty="0">
                 <a:hlinkClick r:id="rId2"/>
               </a:rPr>
+              <a:t>https://github.com/rstropek/DockerVS2015Intro/tree/master/dockerDemos/08-docker-dot-net</a:t>
+            </a:r>
+            <a:endParaRPr lang="de-AT" sz="1400" dirty="0"/>
+          </a:p>
+          <a:p>
+            <a:r>
+              <a:rPr lang="de-AT" dirty="0"/>
+              <a:t>ASP.NET and Docker</a:t>
+            </a:r>
+          </a:p>
+          <a:p>
+            <a:pPr lvl="1"/>
+            <a:r>
+              <a:rPr lang="de-AT" dirty="0">
+                <a:hlinkClick r:id="rId3"/>
+              </a:rPr>
               <a:t>https://docs.microsoft.com/en-us/aspnet/mvc/overview/deployment/docker-aspnetmvc</a:t>
             </a:r>
             <a:endParaRPr lang="de-AT" dirty="0"/>
@@ -12520,7 +12553,7 @@
             <a:pPr lvl="1"/>
             <a:r>
               <a:rPr lang="de-AT" dirty="0">
-                <a:hlinkClick r:id="rId3"/>
+                <a:hlinkClick r:id="rId4"/>
               </a:rPr>
               <a:t>https://docs.docker.com/engine/examples/dotnetcore/</a:t>
             </a:r>
@@ -13634,6 +13667,21 @@
 </file>
 
 <file path=customXml/item1.xml><?xml version="1.0" encoding="utf-8"?>
+<?mso-contentType ?>
+<FormTemplates xmlns="http://schemas.microsoft.com/sharepoint/v3/contenttype/forms">
+  <Display>DocumentLibraryForm</Display>
+  <Edit>DocumentLibraryForm</Edit>
+  <New>DocumentLibraryForm</New>
+</FormTemplates>
+</file>
+
+<file path=customXml/item2.xml><?xml version="1.0" encoding="utf-8"?>
+<p:properties xmlns:p="http://schemas.microsoft.com/office/2006/metadata/properties" xmlns:xsi="http://www.w3.org/2001/XMLSchema-instance">
+  <documentManagement/>
+</p:properties>
+</file>
+
+<file path=customXml/item3.xml><?xml version="1.0" encoding="utf-8"?>
 <ct:contentTypeSchema xmlns:ct="http://schemas.microsoft.com/office/2006/metadata/contentType" xmlns:ma="http://schemas.microsoft.com/office/2006/metadata/properties/metaAttributes" ct:_="" ma:_="" ma:contentTypeName="Document" ma:contentTypeID="0x0101006C90029AD581154692170791F90B0BA6" ma:contentTypeVersion="0" ma:contentTypeDescription="Create a new document." ma:contentTypeScope="" ma:versionID="453f2a28f59e13bb333d4563bd7e6ec5">
   <xsd:schema xmlns:xsd="http://www.w3.org/2001/XMLSchema" xmlns:p="http://schemas.microsoft.com/office/2006/metadata/properties" targetNamespace="http://schemas.microsoft.com/office/2006/metadata/properties" ma:root="true" ma:fieldsID="4aeb20c0e3442673af7ee10786458764">
     <xsd:element name="properties">
@@ -13682,22 +13730,29 @@
 </ct:contentTypeSchema>
 </file>
 
-<file path=customXml/item2.xml><?xml version="1.0" encoding="utf-8"?>
-<p:properties xmlns:p="http://schemas.microsoft.com/office/2006/metadata/properties" xmlns:xsi="http://www.w3.org/2001/XMLSchema-instance">
-  <documentManagement/>
-</p:properties>
+<file path=customXml/itemProps1.xml><?xml version="1.0" encoding="utf-8"?>
+<ds:datastoreItem xmlns:ds="http://schemas.openxmlformats.org/officeDocument/2006/customXml" ds:itemID="{B978F6DD-25A2-48DB-A93B-386E9DA01ECA}">
+  <ds:schemaRefs>
+    <ds:schemaRef ds:uri="http://schemas.microsoft.com/sharepoint/v3/contenttype/forms"/>
+  </ds:schemaRefs>
+</ds:datastoreItem>
 </file>
 
-<file path=customXml/item3.xml><?xml version="1.0" encoding="utf-8"?>
-<?mso-contentType ?>
-<FormTemplates xmlns="http://schemas.microsoft.com/sharepoint/v3/contenttype/forms">
-  <Display>DocumentLibraryForm</Display>
-  <Edit>DocumentLibraryForm</Edit>
-  <New>DocumentLibraryForm</New>
-</FormTemplates>
+<file path=customXml/itemProps2.xml><?xml version="1.0" encoding="utf-8"?>
+<ds:datastoreItem xmlns:ds="http://schemas.openxmlformats.org/officeDocument/2006/customXml" ds:itemID="{03D43D4A-F5F8-47F6-A4EC-521F433C91BF}">
+  <ds:schemaRefs>
+    <ds:schemaRef ds:uri="http://purl.org/dc/elements/1.1/"/>
+    <ds:schemaRef ds:uri="http://schemas.microsoft.com/office/2006/metadata/properties"/>
+    <ds:schemaRef ds:uri="http://schemas.microsoft.com/office/2006/documentManagement/types"/>
+    <ds:schemaRef ds:uri="http://schemas.openxmlformats.org/package/2006/metadata/core-properties"/>
+    <ds:schemaRef ds:uri="http://purl.org/dc/dcmitype/"/>
+    <ds:schemaRef ds:uri="http://www.w3.org/XML/1998/namespace"/>
+    <ds:schemaRef ds:uri="http://purl.org/dc/terms/"/>
+  </ds:schemaRefs>
+</ds:datastoreItem>
 </file>
 
-<file path=customXml/itemProps1.xml><?xml version="1.0" encoding="utf-8"?>
+<file path=customXml/itemProps3.xml><?xml version="1.0" encoding="utf-8"?>
 <ds:datastoreItem xmlns:ds="http://schemas.openxmlformats.org/officeDocument/2006/customXml" ds:itemID="{14A11C81-3A20-458B-AC33-D8C9DB9BBB4A}">
   <ds:schemaRefs>
     <ds:schemaRef ds:uri="http://schemas.microsoft.com/office/2006/metadata/contentType"/>
@@ -13710,26 +13765,4 @@
     <ds:schemaRef ds:uri="http://schemas.microsoft.com/office/internal/2005/internalDocumentation"/>
   </ds:schemaRefs>
 </ds:datastoreItem>
-</file>
-
-<file path=customXml/itemProps2.xml><?xml version="1.0" encoding="utf-8"?>
-<ds:datastoreItem xmlns:ds="http://schemas.openxmlformats.org/officeDocument/2006/customXml" ds:itemID="{03D43D4A-F5F8-47F6-A4EC-521F433C91BF}">
-  <ds:schemaRefs>
-    <ds:schemaRef ds:uri="http://purl.org/dc/elements/1.1/"/>
-    <ds:schemaRef ds:uri="http://schemas.microsoft.com/office/2006/metadata/properties"/>
-    <ds:schemaRef ds:uri="http://purl.org/dc/terms/"/>
-    <ds:schemaRef ds:uri="http://schemas.openxmlformats.org/package/2006/metadata/core-properties"/>
-    <ds:schemaRef ds:uri="http://schemas.microsoft.com/office/2006/documentManagement/types"/>
-    <ds:schemaRef ds:uri="http://purl.org/dc/dcmitype/"/>
-    <ds:schemaRef ds:uri="http://www.w3.org/XML/1998/namespace"/>
-  </ds:schemaRefs>
-</ds:datastoreItem>
-</file>
-
-<file path=customXml/itemProps3.xml><?xml version="1.0" encoding="utf-8"?>
-<ds:datastoreItem xmlns:ds="http://schemas.openxmlformats.org/officeDocument/2006/customXml" ds:itemID="{B978F6DD-25A2-48DB-A93B-386E9DA01ECA}">
-  <ds:schemaRefs>
-    <ds:schemaRef ds:uri="http://schemas.microsoft.com/sharepoint/v3/contenttype/forms"/>
-  </ds:schemaRefs>
-</ds:datastoreItem>
 </file>